--- a/内存管理.pptx
+++ b/内存管理.pptx
@@ -261,7 +261,7 @@
           <a:p>
             <a:fld id="{3D71AFD6-832F-764F-A8C5-443411455556}" type="datetimeFigureOut">
               <a:rPr kumimoji="1" lang="zh-CN" altLang="en-US" smtClean="0"/>
-              <a:t>2019/10/1</a:t>
+              <a:t>2019/10/18</a:t>
             </a:fld>
             <a:endParaRPr kumimoji="1" lang="zh-CN" altLang="en-US"/>
           </a:p>
@@ -459,7 +459,7 @@
           <a:p>
             <a:fld id="{3D71AFD6-832F-764F-A8C5-443411455556}" type="datetimeFigureOut">
               <a:rPr kumimoji="1" lang="zh-CN" altLang="en-US" smtClean="0"/>
-              <a:t>2019/10/1</a:t>
+              <a:t>2019/10/18</a:t>
             </a:fld>
             <a:endParaRPr kumimoji="1" lang="zh-CN" altLang="en-US"/>
           </a:p>
@@ -667,7 +667,7 @@
           <a:p>
             <a:fld id="{3D71AFD6-832F-764F-A8C5-443411455556}" type="datetimeFigureOut">
               <a:rPr kumimoji="1" lang="zh-CN" altLang="en-US" smtClean="0"/>
-              <a:t>2019/10/1</a:t>
+              <a:t>2019/10/18</a:t>
             </a:fld>
             <a:endParaRPr kumimoji="1" lang="zh-CN" altLang="en-US"/>
           </a:p>
@@ -865,7 +865,7 @@
           <a:p>
             <a:fld id="{3D71AFD6-832F-764F-A8C5-443411455556}" type="datetimeFigureOut">
               <a:rPr kumimoji="1" lang="zh-CN" altLang="en-US" smtClean="0"/>
-              <a:t>2019/10/1</a:t>
+              <a:t>2019/10/18</a:t>
             </a:fld>
             <a:endParaRPr kumimoji="1" lang="zh-CN" altLang="en-US"/>
           </a:p>
@@ -1140,7 +1140,7 @@
           <a:p>
             <a:fld id="{3D71AFD6-832F-764F-A8C5-443411455556}" type="datetimeFigureOut">
               <a:rPr kumimoji="1" lang="zh-CN" altLang="en-US" smtClean="0"/>
-              <a:t>2019/10/1</a:t>
+              <a:t>2019/10/18</a:t>
             </a:fld>
             <a:endParaRPr kumimoji="1" lang="zh-CN" altLang="en-US"/>
           </a:p>
@@ -1405,7 +1405,7 @@
           <a:p>
             <a:fld id="{3D71AFD6-832F-764F-A8C5-443411455556}" type="datetimeFigureOut">
               <a:rPr kumimoji="1" lang="zh-CN" altLang="en-US" smtClean="0"/>
-              <a:t>2019/10/1</a:t>
+              <a:t>2019/10/18</a:t>
             </a:fld>
             <a:endParaRPr kumimoji="1" lang="zh-CN" altLang="en-US"/>
           </a:p>
@@ -1817,7 +1817,7 @@
           <a:p>
             <a:fld id="{3D71AFD6-832F-764F-A8C5-443411455556}" type="datetimeFigureOut">
               <a:rPr kumimoji="1" lang="zh-CN" altLang="en-US" smtClean="0"/>
-              <a:t>2019/10/1</a:t>
+              <a:t>2019/10/18</a:t>
             </a:fld>
             <a:endParaRPr kumimoji="1" lang="zh-CN" altLang="en-US"/>
           </a:p>
@@ -1958,7 +1958,7 @@
           <a:p>
             <a:fld id="{3D71AFD6-832F-764F-A8C5-443411455556}" type="datetimeFigureOut">
               <a:rPr kumimoji="1" lang="zh-CN" altLang="en-US" smtClean="0"/>
-              <a:t>2019/10/1</a:t>
+              <a:t>2019/10/18</a:t>
             </a:fld>
             <a:endParaRPr kumimoji="1" lang="zh-CN" altLang="en-US"/>
           </a:p>
@@ -2071,7 +2071,7 @@
           <a:p>
             <a:fld id="{3D71AFD6-832F-764F-A8C5-443411455556}" type="datetimeFigureOut">
               <a:rPr kumimoji="1" lang="zh-CN" altLang="en-US" smtClean="0"/>
-              <a:t>2019/10/1</a:t>
+              <a:t>2019/10/18</a:t>
             </a:fld>
             <a:endParaRPr kumimoji="1" lang="zh-CN" altLang="en-US"/>
           </a:p>
@@ -2382,7 +2382,7 @@
           <a:p>
             <a:fld id="{3D71AFD6-832F-764F-A8C5-443411455556}" type="datetimeFigureOut">
               <a:rPr kumimoji="1" lang="zh-CN" altLang="en-US" smtClean="0"/>
-              <a:t>2019/10/1</a:t>
+              <a:t>2019/10/18</a:t>
             </a:fld>
             <a:endParaRPr kumimoji="1" lang="zh-CN" altLang="en-US"/>
           </a:p>
@@ -2670,7 +2670,7 @@
           <a:p>
             <a:fld id="{3D71AFD6-832F-764F-A8C5-443411455556}" type="datetimeFigureOut">
               <a:rPr kumimoji="1" lang="zh-CN" altLang="en-US" smtClean="0"/>
-              <a:t>2019/10/1</a:t>
+              <a:t>2019/10/18</a:t>
             </a:fld>
             <a:endParaRPr kumimoji="1" lang="zh-CN" altLang="en-US"/>
           </a:p>
@@ -2911,7 +2911,7 @@
           <a:p>
             <a:fld id="{3D71AFD6-832F-764F-A8C5-443411455556}" type="datetimeFigureOut">
               <a:rPr kumimoji="1" lang="zh-CN" altLang="en-US" smtClean="0"/>
-              <a:t>2019/10/1</a:t>
+              <a:t>2019/10/18</a:t>
             </a:fld>
             <a:endParaRPr kumimoji="1" lang="zh-CN" altLang="en-US"/>
           </a:p>
